--- a/Superstore_Sale_Analysis.pptx
+++ b/Superstore_Sale_Analysis.pptx
@@ -2580,27 +2580,22 @@
         <a:gradFill flip="none" rotWithShape="1">
           <a:gsLst>
             <a:gs pos="0">
-              <a:srgbClr val="00B0F0">
-                <a:alpha val="70000"/>
+              <a:srgbClr val="5BC5FE"/>
+            </a:gs>
+            <a:gs pos="9000">
+              <a:srgbClr val="FF47CA">
+                <a:alpha val="69804"/>
               </a:srgbClr>
             </a:gs>
-            <a:gs pos="0">
-              <a:schemeClr val="tx2">
-                <a:lumMod val="60000"/>
-                <a:lumOff val="40000"/>
-              </a:schemeClr>
-            </a:gs>
-            <a:gs pos="46000">
-              <a:schemeClr val="accent1">
-                <a:lumMod val="45000"/>
-                <a:lumOff val="55000"/>
-              </a:schemeClr>
+            <a:gs pos="85000">
+              <a:srgbClr val="D87AF6"/>
             </a:gs>
             <a:gs pos="100000">
-              <a:schemeClr val="tx2">
-                <a:lumMod val="40000"/>
-                <a:lumOff val="60000"/>
-              </a:schemeClr>
+              <a:srgbClr val="00B0F0">
+                <a:lumMod val="87000"/>
+                <a:lumOff val="13000"/>
+                <a:alpha val="76000"/>
+              </a:srgbClr>
             </a:gs>
           </a:gsLst>
           <a:lin ang="5400000" scaled="1"/>
